--- a/Deliverables/Knowlede_acquisition_slides.pptx
+++ b/Deliverables/Knowlede_acquisition_slides.pptx
@@ -143,7 +143,7 @@
   <pc:docChgLst>
     <pc:chgData name="Stijn Nolet" userId="afbe0c02d883dce8" providerId="LiveId" clId="{F68C822B-544F-42FD-8845-AA35DBFDDF8B}"/>
     <pc:docChg chg="undo custSel addSld delSld modSld">
-      <pc:chgData name="Stijn Nolet" userId="afbe0c02d883dce8" providerId="LiveId" clId="{F68C822B-544F-42FD-8845-AA35DBFDDF8B}" dt="2020-05-10T16:10:05.624" v="911" actId="680"/>
+      <pc:chgData name="Stijn Nolet" userId="afbe0c02d883dce8" providerId="LiveId" clId="{F68C822B-544F-42FD-8845-AA35DBFDDF8B}" dt="2020-05-10T17:07:42.051" v="934" actId="6549"/>
       <pc:docMkLst>
         <pc:docMk/>
       </pc:docMkLst>
@@ -427,12 +427,20 @@
           </ac:picMkLst>
         </pc:picChg>
       </pc:sldChg>
-      <pc:sldChg chg="new">
-        <pc:chgData name="Stijn Nolet" userId="afbe0c02d883dce8" providerId="LiveId" clId="{F68C822B-544F-42FD-8845-AA35DBFDDF8B}" dt="2020-05-10T16:10:05.624" v="911" actId="680"/>
+      <pc:sldChg chg="modSp new mod">
+        <pc:chgData name="Stijn Nolet" userId="afbe0c02d883dce8" providerId="LiveId" clId="{F68C822B-544F-42FD-8845-AA35DBFDDF8B}" dt="2020-05-10T17:07:42.051" v="934" actId="6549"/>
         <pc:sldMkLst>
           <pc:docMk/>
           <pc:sldMk cId="337485053" sldId="279"/>
         </pc:sldMkLst>
+        <pc:spChg chg="mod">
+          <ac:chgData name="Stijn Nolet" userId="afbe0c02d883dce8" providerId="LiveId" clId="{F68C822B-544F-42FD-8845-AA35DBFDDF8B}" dt="2020-05-10T17:07:42.051" v="934" actId="6549"/>
+          <ac:spMkLst>
+            <pc:docMk/>
+            <pc:sldMk cId="337485053" sldId="279"/>
+            <ac:spMk id="2" creationId="{38C54B0C-0DF4-4DF2-9AF4-EE86489ADC4C}"/>
+          </ac:spMkLst>
+        </pc:spChg>
       </pc:sldChg>
     </pc:docChg>
   </pc:docChgLst>
@@ -2710,8 +2718,8 @@
           <a:chExt cx="0" cy="0"/>
         </a:xfrm>
       </p:grpSpPr>
-      <mc:AlternateContent xmlns:mc="http://schemas.openxmlformats.org/markup-compatibility/2006">
-        <mc:Choice xmlns:a14="http://schemas.microsoft.com/office/drawing/2010/main" Requires="a14">
+      <mc:AlternateContent xmlns:mc="http://schemas.openxmlformats.org/markup-compatibility/2006" xmlns:a14="http://schemas.microsoft.com/office/drawing/2010/main">
+        <mc:Choice Requires="a14">
           <p:sp>
             <p:nvSpPr>
               <p:cNvPr id="3" name="Tijdelijke aanduiding voor inhoud 2">
@@ -2928,7 +2936,7 @@
             </p:txBody>
           </p:sp>
         </mc:Choice>
-        <mc:Fallback>
+        <mc:Fallback xmlns="">
           <p:sp>
             <p:nvSpPr>
               <p:cNvPr id="3" name="Tijdelijke aanduiding voor inhoud 2">
@@ -3707,6 +3715,14 @@
           <a:bodyPr/>
           <a:lstStyle/>
           <a:p>
+            <a:r>
+              <a:rPr lang="en-GB" dirty="0" err="1"/>
+              <a:t>Schets</a:t>
+            </a:r>
+            <a:r>
+              <a:rPr lang="en-GB"/>
+              <a:t> van de parts??</a:t>
+            </a:r>
             <a:endParaRPr lang="en-GB" dirty="0"/>
           </a:p>
         </p:txBody>
@@ -3732,7 +3748,7 @@
           <a:bodyPr/>
           <a:lstStyle/>
           <a:p>
-            <a:endParaRPr lang="en-GB"/>
+            <a:endParaRPr lang="en-GB" dirty="0"/>
           </a:p>
         </p:txBody>
       </p:sp>
@@ -4268,8 +4284,8 @@
           </a:p>
         </p:txBody>
       </p:sp>
-      <mc:AlternateContent xmlns:mc="http://schemas.openxmlformats.org/markup-compatibility/2006">
-        <mc:Choice xmlns:a14="http://schemas.microsoft.com/office/drawing/2010/main" Requires="a14">
+      <mc:AlternateContent xmlns:mc="http://schemas.openxmlformats.org/markup-compatibility/2006" xmlns:a14="http://schemas.microsoft.com/office/drawing/2010/main">
+        <mc:Choice Requires="a14">
           <p:sp>
             <p:nvSpPr>
               <p:cNvPr id="3" name="Tijdelijke aanduiding voor inhoud 2">
@@ -4432,7 +4448,7 @@
             </p:txBody>
           </p:sp>
         </mc:Choice>
-        <mc:Fallback>
+        <mc:Fallback xmlns="">
           <p:sp>
             <p:nvSpPr>
               <p:cNvPr id="3" name="Tijdelijke aanduiding voor inhoud 2">
@@ -4825,8 +4841,8 @@
           <a:chExt cx="0" cy="0"/>
         </a:xfrm>
       </p:grpSpPr>
-      <mc:AlternateContent xmlns:mc="http://schemas.openxmlformats.org/markup-compatibility/2006">
-        <mc:Choice xmlns:a14="http://schemas.microsoft.com/office/drawing/2010/main" Requires="a14">
+      <mc:AlternateContent xmlns:mc="http://schemas.openxmlformats.org/markup-compatibility/2006" xmlns:a14="http://schemas.microsoft.com/office/drawing/2010/main">
+        <mc:Choice Requires="a14">
           <p:sp>
             <p:nvSpPr>
               <p:cNvPr id="3" name="Tijdelijke aanduiding voor inhoud 2">
@@ -4947,7 +4963,7 @@
             </p:txBody>
           </p:sp>
         </mc:Choice>
-        <mc:Fallback>
+        <mc:Fallback xmlns="">
           <p:sp>
             <p:nvSpPr>
               <p:cNvPr id="3" name="Tijdelijke aanduiding voor inhoud 2">
